--- a/instructions/Instructions_MEEG_Modified.pptx
+++ b/instructions/Instructions_MEEG_Modified.pptx
@@ -304,7 +304,7 @@
           <a:p>
             <a:fld id="{9D7C6ACB-8DF6-1449-BE97-CA8D947F79D3}" type="datetimeFigureOut">
               <a:rPr lang="en-US" smtClean="0"/>
-              <a:t>10/21/2020</a:t>
+              <a:t>3/14/2023</a:t>
             </a:fld>
             <a:endParaRPr lang="en-US"/>
           </a:p>
@@ -346,7 +346,7 @@
           <a:p>
             <a:fld id="{FBCB11EB-C4CA-1E48-B477-AFB461D80BEB}" type="slidenum">
               <a:rPr lang="en-US" smtClean="0"/>
-              <a:t>‹#›</a:t>
+              <a:t>‹Nr.›</a:t>
             </a:fld>
             <a:endParaRPr lang="en-US"/>
           </a:p>
@@ -472,7 +472,7 @@
           <a:p>
             <a:fld id="{9D7C6ACB-8DF6-1449-BE97-CA8D947F79D3}" type="datetimeFigureOut">
               <a:rPr lang="en-US" smtClean="0"/>
-              <a:t>10/21/2020</a:t>
+              <a:t>3/14/2023</a:t>
             </a:fld>
             <a:endParaRPr lang="en-US"/>
           </a:p>
@@ -514,7 +514,7 @@
           <a:p>
             <a:fld id="{FBCB11EB-C4CA-1E48-B477-AFB461D80BEB}" type="slidenum">
               <a:rPr lang="en-US" smtClean="0"/>
-              <a:t>‹#›</a:t>
+              <a:t>‹Nr.›</a:t>
             </a:fld>
             <a:endParaRPr lang="en-US"/>
           </a:p>
@@ -650,7 +650,7 @@
           <a:p>
             <a:fld id="{9D7C6ACB-8DF6-1449-BE97-CA8D947F79D3}" type="datetimeFigureOut">
               <a:rPr lang="en-US" smtClean="0"/>
-              <a:t>10/21/2020</a:t>
+              <a:t>3/14/2023</a:t>
             </a:fld>
             <a:endParaRPr lang="en-US"/>
           </a:p>
@@ -692,7 +692,7 @@
           <a:p>
             <a:fld id="{FBCB11EB-C4CA-1E48-B477-AFB461D80BEB}" type="slidenum">
               <a:rPr lang="en-US" smtClean="0"/>
-              <a:t>‹#›</a:t>
+              <a:t>‹Nr.›</a:t>
             </a:fld>
             <a:endParaRPr lang="en-US"/>
           </a:p>
@@ -818,7 +818,7 @@
           <a:p>
             <a:fld id="{9D7C6ACB-8DF6-1449-BE97-CA8D947F79D3}" type="datetimeFigureOut">
               <a:rPr lang="en-US" smtClean="0"/>
-              <a:t>10/21/2020</a:t>
+              <a:t>3/14/2023</a:t>
             </a:fld>
             <a:endParaRPr lang="en-US"/>
           </a:p>
@@ -860,7 +860,7 @@
           <a:p>
             <a:fld id="{FBCB11EB-C4CA-1E48-B477-AFB461D80BEB}" type="slidenum">
               <a:rPr lang="en-US" smtClean="0"/>
-              <a:t>‹#›</a:t>
+              <a:t>‹Nr.›</a:t>
             </a:fld>
             <a:endParaRPr lang="en-US"/>
           </a:p>
@@ -1063,7 +1063,7 @@
           <a:p>
             <a:fld id="{9D7C6ACB-8DF6-1449-BE97-CA8D947F79D3}" type="datetimeFigureOut">
               <a:rPr lang="en-US" smtClean="0"/>
-              <a:t>10/21/2020</a:t>
+              <a:t>3/14/2023</a:t>
             </a:fld>
             <a:endParaRPr lang="en-US"/>
           </a:p>
@@ -1105,7 +1105,7 @@
           <a:p>
             <a:fld id="{FBCB11EB-C4CA-1E48-B477-AFB461D80BEB}" type="slidenum">
               <a:rPr lang="en-US" smtClean="0"/>
-              <a:t>‹#›</a:t>
+              <a:t>‹Nr.›</a:t>
             </a:fld>
             <a:endParaRPr lang="en-US"/>
           </a:p>
@@ -1348,7 +1348,7 @@
           <a:p>
             <a:fld id="{9D7C6ACB-8DF6-1449-BE97-CA8D947F79D3}" type="datetimeFigureOut">
               <a:rPr lang="en-US" smtClean="0"/>
-              <a:t>10/21/2020</a:t>
+              <a:t>3/14/2023</a:t>
             </a:fld>
             <a:endParaRPr lang="en-US"/>
           </a:p>
@@ -1390,7 +1390,7 @@
           <a:p>
             <a:fld id="{FBCB11EB-C4CA-1E48-B477-AFB461D80BEB}" type="slidenum">
               <a:rPr lang="en-US" smtClean="0"/>
-              <a:t>‹#›</a:t>
+              <a:t>‹Nr.›</a:t>
             </a:fld>
             <a:endParaRPr lang="en-US"/>
           </a:p>
@@ -1767,7 +1767,7 @@
           <a:p>
             <a:fld id="{9D7C6ACB-8DF6-1449-BE97-CA8D947F79D3}" type="datetimeFigureOut">
               <a:rPr lang="en-US" smtClean="0"/>
-              <a:t>10/21/2020</a:t>
+              <a:t>3/14/2023</a:t>
             </a:fld>
             <a:endParaRPr lang="en-US"/>
           </a:p>
@@ -1809,7 +1809,7 @@
           <a:p>
             <a:fld id="{FBCB11EB-C4CA-1E48-B477-AFB461D80BEB}" type="slidenum">
               <a:rPr lang="en-US" smtClean="0"/>
-              <a:t>‹#›</a:t>
+              <a:t>‹Nr.›</a:t>
             </a:fld>
             <a:endParaRPr lang="en-US"/>
           </a:p>
@@ -1884,7 +1884,7 @@
           <a:p>
             <a:fld id="{9D7C6ACB-8DF6-1449-BE97-CA8D947F79D3}" type="datetimeFigureOut">
               <a:rPr lang="en-US" smtClean="0"/>
-              <a:t>10/21/2020</a:t>
+              <a:t>3/14/2023</a:t>
             </a:fld>
             <a:endParaRPr lang="en-US"/>
           </a:p>
@@ -1926,7 +1926,7 @@
           <a:p>
             <a:fld id="{FBCB11EB-C4CA-1E48-B477-AFB461D80BEB}" type="slidenum">
               <a:rPr lang="en-US" smtClean="0"/>
-              <a:t>‹#›</a:t>
+              <a:t>‹Nr.›</a:t>
             </a:fld>
             <a:endParaRPr lang="en-US"/>
           </a:p>
@@ -1979,7 +1979,7 @@
           <a:p>
             <a:fld id="{9D7C6ACB-8DF6-1449-BE97-CA8D947F79D3}" type="datetimeFigureOut">
               <a:rPr lang="en-US" smtClean="0"/>
-              <a:t>10/21/2020</a:t>
+              <a:t>3/14/2023</a:t>
             </a:fld>
             <a:endParaRPr lang="en-US"/>
           </a:p>
@@ -2021,7 +2021,7 @@
           <a:p>
             <a:fld id="{FBCB11EB-C4CA-1E48-B477-AFB461D80BEB}" type="slidenum">
               <a:rPr lang="en-US" smtClean="0"/>
-              <a:t>‹#›</a:t>
+              <a:t>‹Nr.›</a:t>
             </a:fld>
             <a:endParaRPr lang="en-US"/>
           </a:p>
@@ -2254,7 +2254,7 @@
           <a:p>
             <a:fld id="{9D7C6ACB-8DF6-1449-BE97-CA8D947F79D3}" type="datetimeFigureOut">
               <a:rPr lang="en-US" smtClean="0"/>
-              <a:t>10/21/2020</a:t>
+              <a:t>3/14/2023</a:t>
             </a:fld>
             <a:endParaRPr lang="en-US"/>
           </a:p>
@@ -2296,7 +2296,7 @@
           <a:p>
             <a:fld id="{FBCB11EB-C4CA-1E48-B477-AFB461D80BEB}" type="slidenum">
               <a:rPr lang="en-US" smtClean="0"/>
-              <a:t>‹#›</a:t>
+              <a:t>‹Nr.›</a:t>
             </a:fld>
             <a:endParaRPr lang="en-US"/>
           </a:p>
@@ -2506,7 +2506,7 @@
           <a:p>
             <a:fld id="{9D7C6ACB-8DF6-1449-BE97-CA8D947F79D3}" type="datetimeFigureOut">
               <a:rPr lang="en-US" smtClean="0"/>
-              <a:t>10/21/2020</a:t>
+              <a:t>3/14/2023</a:t>
             </a:fld>
             <a:endParaRPr lang="en-US"/>
           </a:p>
@@ -2548,7 +2548,7 @@
           <a:p>
             <a:fld id="{FBCB11EB-C4CA-1E48-B477-AFB461D80BEB}" type="slidenum">
               <a:rPr lang="en-US" smtClean="0"/>
-              <a:t>‹#›</a:t>
+              <a:t>‹Nr.›</a:t>
             </a:fld>
             <a:endParaRPr lang="en-US"/>
           </a:p>
@@ -2720,7 +2720,7 @@
           <a:p>
             <a:fld id="{9D7C6ACB-8DF6-1449-BE97-CA8D947F79D3}" type="datetimeFigureOut">
               <a:rPr lang="en-US" smtClean="0"/>
-              <a:t>10/21/2020</a:t>
+              <a:t>3/14/2023</a:t>
             </a:fld>
             <a:endParaRPr lang="en-US"/>
           </a:p>
@@ -2798,7 +2798,7 @@
           <a:p>
             <a:fld id="{FBCB11EB-C4CA-1E48-B477-AFB461D80BEB}" type="slidenum">
               <a:rPr lang="en-US" smtClean="0"/>
-              <a:t>‹#›</a:t>
+              <a:t>‹Nr.›</a:t>
             </a:fld>
             <a:endParaRPr lang="en-US"/>
           </a:p>
@@ -3394,7 +3394,6 @@
               <a:rPr lang="en-US" sz="2400" i="1" dirty="0"/>
               <a:t> to proceed</a:t>
             </a:r>
-            <a:endParaRPr lang="en-US" sz="2400" i="1" dirty="0"/>
           </a:p>
         </p:txBody>
       </p:sp>
